--- a/ppt 16-9/0949.我们乃主精兵.pptx
+++ b/ppt 16-9/0949.我们乃主精兵.pptx
@@ -5,7 +5,7 @@
     <p:sldMasterId id="2147483648" r:id="rId1"/>
   </p:sldMasterIdLst>
   <p:sldIdLst>
-    <p:sldId id="333" r:id="rId2"/>
+    <p:sldId id="334" r:id="rId2"/>
   </p:sldIdLst>
   <p:sldSz cx="12192000" cy="6858000"/>
   <p:notesSz cx="6858000" cy="9144000"/>
@@ -129,7 +129,7 @@
           <p:cNvPr id="2" name="标题 1">
             <a:extLst>
               <a:ext uri="{FF2B5EF4-FFF2-40B4-BE49-F238E27FC236}">
-                <a16:creationId xmlns:a16="http://schemas.microsoft.com/office/drawing/2014/main" id="{524B9616-EB71-8AE7-39A4-E57EFE98A1F6}"/>
+                <a16:creationId xmlns:a16="http://schemas.microsoft.com/office/drawing/2014/main" id="{248CB75B-7145-B1FF-13DB-44B745C7009E}"/>
               </a:ext>
             </a:extLst>
           </p:cNvPr>
@@ -166,7 +166,7 @@
           <p:cNvPr id="3" name="副标题 2">
             <a:extLst>
               <a:ext uri="{FF2B5EF4-FFF2-40B4-BE49-F238E27FC236}">
-                <a16:creationId xmlns:a16="http://schemas.microsoft.com/office/drawing/2014/main" id="{A502CE2D-D255-D14B-2E84-A7798A2D34B9}"/>
+                <a16:creationId xmlns:a16="http://schemas.microsoft.com/office/drawing/2014/main" id="{A2C18D24-C115-B554-4997-FDE59B32DC04}"/>
               </a:ext>
             </a:extLst>
           </p:cNvPr>
@@ -236,7 +236,7 @@
           <p:cNvPr id="4" name="日期占位符 3">
             <a:extLst>
               <a:ext uri="{FF2B5EF4-FFF2-40B4-BE49-F238E27FC236}">
-                <a16:creationId xmlns:a16="http://schemas.microsoft.com/office/drawing/2014/main" id="{B20B59E2-BFA2-84BA-3422-C0D78C33538A}"/>
+                <a16:creationId xmlns:a16="http://schemas.microsoft.com/office/drawing/2014/main" id="{94529ED4-FB40-4FBE-4872-71F45DD067FE}"/>
               </a:ext>
             </a:extLst>
           </p:cNvPr>
@@ -252,7 +252,7 @@
           <a:bodyPr/>
           <a:lstStyle/>
           <a:p>
-            <a:fld id="{BB44BC9A-CCB2-47F4-9740-26C9CA77C97B}" type="datetimeFigureOut">
+            <a:fld id="{92328CBC-4C5B-41F3-94D4-D0BB60A073BE}" type="datetimeFigureOut">
               <a:rPr lang="zh-CN" altLang="en-US" smtClean="0"/>
               <a:t>2024/3/10</a:t>
             </a:fld>
@@ -265,7 +265,7 @@
           <p:cNvPr id="5" name="页脚占位符 4">
             <a:extLst>
               <a:ext uri="{FF2B5EF4-FFF2-40B4-BE49-F238E27FC236}">
-                <a16:creationId xmlns:a16="http://schemas.microsoft.com/office/drawing/2014/main" id="{DA8B412A-3B61-BEF1-EB91-163CC61F4A10}"/>
+                <a16:creationId xmlns:a16="http://schemas.microsoft.com/office/drawing/2014/main" id="{163B9347-FAA6-8AF3-1737-A21666A46DFE}"/>
               </a:ext>
             </a:extLst>
           </p:cNvPr>
@@ -290,7 +290,7 @@
           <p:cNvPr id="6" name="灯片编号占位符 5">
             <a:extLst>
               <a:ext uri="{FF2B5EF4-FFF2-40B4-BE49-F238E27FC236}">
-                <a16:creationId xmlns:a16="http://schemas.microsoft.com/office/drawing/2014/main" id="{51F648C5-0316-D4CE-5239-69C1885B19D6}"/>
+                <a16:creationId xmlns:a16="http://schemas.microsoft.com/office/drawing/2014/main" id="{08EC45BF-E728-029B-C5A1-310ACDA44060}"/>
               </a:ext>
             </a:extLst>
           </p:cNvPr>
@@ -306,7 +306,7 @@
           <a:bodyPr/>
           <a:lstStyle/>
           <a:p>
-            <a:fld id="{83BBF1F5-BEC5-4E66-A835-DFE59031C88E}" type="slidenum">
+            <a:fld id="{4DC55E31-8949-4B27-915E-CDA4FE6B240D}" type="slidenum">
               <a:rPr lang="zh-CN" altLang="en-US" smtClean="0"/>
               <a:t>‹#›</a:t>
             </a:fld>
@@ -317,7 +317,7 @@
     </p:spTree>
     <p:extLst>
       <p:ext uri="{BB962C8B-B14F-4D97-AF65-F5344CB8AC3E}">
-        <p14:creationId xmlns:p14="http://schemas.microsoft.com/office/powerpoint/2010/main" val="2648058838"/>
+        <p14:creationId xmlns:p14="http://schemas.microsoft.com/office/powerpoint/2010/main" val="3563346902"/>
       </p:ext>
     </p:extLst>
   </p:cSld>
@@ -349,7 +349,7 @@
           <p:cNvPr id="2" name="标题 1">
             <a:extLst>
               <a:ext uri="{FF2B5EF4-FFF2-40B4-BE49-F238E27FC236}">
-                <a16:creationId xmlns:a16="http://schemas.microsoft.com/office/drawing/2014/main" id="{4D62EDD9-ACB7-6C88-F3C9-606C95723C47}"/>
+                <a16:creationId xmlns:a16="http://schemas.microsoft.com/office/drawing/2014/main" id="{4336004C-103D-9C42-14C8-9EC60EB04B1E}"/>
               </a:ext>
             </a:extLst>
           </p:cNvPr>
@@ -377,7 +377,7 @@
           <p:cNvPr id="3" name="竖排文字占位符 2">
             <a:extLst>
               <a:ext uri="{FF2B5EF4-FFF2-40B4-BE49-F238E27FC236}">
-                <a16:creationId xmlns:a16="http://schemas.microsoft.com/office/drawing/2014/main" id="{A986F49B-4485-0859-59CD-CBBAD8D247D2}"/>
+                <a16:creationId xmlns:a16="http://schemas.microsoft.com/office/drawing/2014/main" id="{4F8B90A1-5F7D-C105-4502-DC1AA54DC869}"/>
               </a:ext>
             </a:extLst>
           </p:cNvPr>
@@ -434,7 +434,7 @@
           <p:cNvPr id="4" name="日期占位符 3">
             <a:extLst>
               <a:ext uri="{FF2B5EF4-FFF2-40B4-BE49-F238E27FC236}">
-                <a16:creationId xmlns:a16="http://schemas.microsoft.com/office/drawing/2014/main" id="{E3F495B7-E8FD-84C6-53C5-6C3E7402514E}"/>
+                <a16:creationId xmlns:a16="http://schemas.microsoft.com/office/drawing/2014/main" id="{35E77C0D-F8B0-258D-A121-CC590B71FD15}"/>
               </a:ext>
             </a:extLst>
           </p:cNvPr>
@@ -450,7 +450,7 @@
           <a:bodyPr/>
           <a:lstStyle/>
           <a:p>
-            <a:fld id="{BB44BC9A-CCB2-47F4-9740-26C9CA77C97B}" type="datetimeFigureOut">
+            <a:fld id="{92328CBC-4C5B-41F3-94D4-D0BB60A073BE}" type="datetimeFigureOut">
               <a:rPr lang="zh-CN" altLang="en-US" smtClean="0"/>
               <a:t>2024/3/10</a:t>
             </a:fld>
@@ -463,7 +463,7 @@
           <p:cNvPr id="5" name="页脚占位符 4">
             <a:extLst>
               <a:ext uri="{FF2B5EF4-FFF2-40B4-BE49-F238E27FC236}">
-                <a16:creationId xmlns:a16="http://schemas.microsoft.com/office/drawing/2014/main" id="{2463DEDE-8202-DA25-C6F1-14DB6D159817}"/>
+                <a16:creationId xmlns:a16="http://schemas.microsoft.com/office/drawing/2014/main" id="{E94555A7-8163-9491-9410-800752997E53}"/>
               </a:ext>
             </a:extLst>
           </p:cNvPr>
@@ -488,7 +488,7 @@
           <p:cNvPr id="6" name="灯片编号占位符 5">
             <a:extLst>
               <a:ext uri="{FF2B5EF4-FFF2-40B4-BE49-F238E27FC236}">
-                <a16:creationId xmlns:a16="http://schemas.microsoft.com/office/drawing/2014/main" id="{90E3B9AC-9FF0-D0CB-7405-2144451CC63F}"/>
+                <a16:creationId xmlns:a16="http://schemas.microsoft.com/office/drawing/2014/main" id="{7E37F9ED-145B-6D07-2824-1927535685B2}"/>
               </a:ext>
             </a:extLst>
           </p:cNvPr>
@@ -504,7 +504,7 @@
           <a:bodyPr/>
           <a:lstStyle/>
           <a:p>
-            <a:fld id="{83BBF1F5-BEC5-4E66-A835-DFE59031C88E}" type="slidenum">
+            <a:fld id="{4DC55E31-8949-4B27-915E-CDA4FE6B240D}" type="slidenum">
               <a:rPr lang="zh-CN" altLang="en-US" smtClean="0"/>
               <a:t>‹#›</a:t>
             </a:fld>
@@ -515,7 +515,7 @@
     </p:spTree>
     <p:extLst>
       <p:ext uri="{BB962C8B-B14F-4D97-AF65-F5344CB8AC3E}">
-        <p14:creationId xmlns:p14="http://schemas.microsoft.com/office/powerpoint/2010/main" val="3892566829"/>
+        <p14:creationId xmlns:p14="http://schemas.microsoft.com/office/powerpoint/2010/main" val="385908977"/>
       </p:ext>
     </p:extLst>
   </p:cSld>
@@ -547,7 +547,7 @@
           <p:cNvPr id="2" name="竖排标题 1">
             <a:extLst>
               <a:ext uri="{FF2B5EF4-FFF2-40B4-BE49-F238E27FC236}">
-                <a16:creationId xmlns:a16="http://schemas.microsoft.com/office/drawing/2014/main" id="{9668AD88-D27B-B5E4-8CE3-21060625AE6D}"/>
+                <a16:creationId xmlns:a16="http://schemas.microsoft.com/office/drawing/2014/main" id="{E541DB6F-46A7-3F34-AE27-4B27A0D70AE2}"/>
               </a:ext>
             </a:extLst>
           </p:cNvPr>
@@ -580,7 +580,7 @@
           <p:cNvPr id="3" name="竖排文字占位符 2">
             <a:extLst>
               <a:ext uri="{FF2B5EF4-FFF2-40B4-BE49-F238E27FC236}">
-                <a16:creationId xmlns:a16="http://schemas.microsoft.com/office/drawing/2014/main" id="{260EE5C5-D1AB-50E6-A2C9-09354C38469F}"/>
+                <a16:creationId xmlns:a16="http://schemas.microsoft.com/office/drawing/2014/main" id="{2D1913FC-E5AC-5556-753E-82C3E8BE1E93}"/>
               </a:ext>
             </a:extLst>
           </p:cNvPr>
@@ -642,7 +642,7 @@
           <p:cNvPr id="4" name="日期占位符 3">
             <a:extLst>
               <a:ext uri="{FF2B5EF4-FFF2-40B4-BE49-F238E27FC236}">
-                <a16:creationId xmlns:a16="http://schemas.microsoft.com/office/drawing/2014/main" id="{2CD70F41-BE22-522C-9AC5-006189D21004}"/>
+                <a16:creationId xmlns:a16="http://schemas.microsoft.com/office/drawing/2014/main" id="{7A4FBFE0-F745-BF63-575D-357D72DF1DC4}"/>
               </a:ext>
             </a:extLst>
           </p:cNvPr>
@@ -658,7 +658,7 @@
           <a:bodyPr/>
           <a:lstStyle/>
           <a:p>
-            <a:fld id="{BB44BC9A-CCB2-47F4-9740-26C9CA77C97B}" type="datetimeFigureOut">
+            <a:fld id="{92328CBC-4C5B-41F3-94D4-D0BB60A073BE}" type="datetimeFigureOut">
               <a:rPr lang="zh-CN" altLang="en-US" smtClean="0"/>
               <a:t>2024/3/10</a:t>
             </a:fld>
@@ -671,7 +671,7 @@
           <p:cNvPr id="5" name="页脚占位符 4">
             <a:extLst>
               <a:ext uri="{FF2B5EF4-FFF2-40B4-BE49-F238E27FC236}">
-                <a16:creationId xmlns:a16="http://schemas.microsoft.com/office/drawing/2014/main" id="{5F58E20D-4BBE-6877-CFEF-6FCA33CB2BDC}"/>
+                <a16:creationId xmlns:a16="http://schemas.microsoft.com/office/drawing/2014/main" id="{F9AA33DE-9A66-96A8-9563-F583DC1DB028}"/>
               </a:ext>
             </a:extLst>
           </p:cNvPr>
@@ -696,7 +696,7 @@
           <p:cNvPr id="6" name="灯片编号占位符 5">
             <a:extLst>
               <a:ext uri="{FF2B5EF4-FFF2-40B4-BE49-F238E27FC236}">
-                <a16:creationId xmlns:a16="http://schemas.microsoft.com/office/drawing/2014/main" id="{3C8AA1F0-6A0F-B8CC-FA43-5E7B86680E31}"/>
+                <a16:creationId xmlns:a16="http://schemas.microsoft.com/office/drawing/2014/main" id="{89053CAE-1BAF-FFE4-6112-503698C220D3}"/>
               </a:ext>
             </a:extLst>
           </p:cNvPr>
@@ -712,7 +712,7 @@
           <a:bodyPr/>
           <a:lstStyle/>
           <a:p>
-            <a:fld id="{83BBF1F5-BEC5-4E66-A835-DFE59031C88E}" type="slidenum">
+            <a:fld id="{4DC55E31-8949-4B27-915E-CDA4FE6B240D}" type="slidenum">
               <a:rPr lang="zh-CN" altLang="en-US" smtClean="0"/>
               <a:t>‹#›</a:t>
             </a:fld>
@@ -723,7 +723,7 @@
     </p:spTree>
     <p:extLst>
       <p:ext uri="{BB962C8B-B14F-4D97-AF65-F5344CB8AC3E}">
-        <p14:creationId xmlns:p14="http://schemas.microsoft.com/office/powerpoint/2010/main" val="3211054941"/>
+        <p14:creationId xmlns:p14="http://schemas.microsoft.com/office/powerpoint/2010/main" val="459131949"/>
       </p:ext>
     </p:extLst>
   </p:cSld>
@@ -755,7 +755,7 @@
           <p:cNvPr id="2" name="标题 1">
             <a:extLst>
               <a:ext uri="{FF2B5EF4-FFF2-40B4-BE49-F238E27FC236}">
-                <a16:creationId xmlns:a16="http://schemas.microsoft.com/office/drawing/2014/main" id="{986F54C0-73AA-523F-5296-2378512EB723}"/>
+                <a16:creationId xmlns:a16="http://schemas.microsoft.com/office/drawing/2014/main" id="{DB1EAF7C-21CF-4C5F-6A23-653161AB673F}"/>
               </a:ext>
             </a:extLst>
           </p:cNvPr>
@@ -783,7 +783,7 @@
           <p:cNvPr id="3" name="内容占位符 2">
             <a:extLst>
               <a:ext uri="{FF2B5EF4-FFF2-40B4-BE49-F238E27FC236}">
-                <a16:creationId xmlns:a16="http://schemas.microsoft.com/office/drawing/2014/main" id="{E4831C75-9991-E552-C053-90163FE57304}"/>
+                <a16:creationId xmlns:a16="http://schemas.microsoft.com/office/drawing/2014/main" id="{44AB0D83-654A-C1F8-6EB3-96963E3C9B2C}"/>
               </a:ext>
             </a:extLst>
           </p:cNvPr>
@@ -840,7 +840,7 @@
           <p:cNvPr id="4" name="日期占位符 3">
             <a:extLst>
               <a:ext uri="{FF2B5EF4-FFF2-40B4-BE49-F238E27FC236}">
-                <a16:creationId xmlns:a16="http://schemas.microsoft.com/office/drawing/2014/main" id="{BC5CDC82-55DB-E3F3-E30D-AFE34407B77B}"/>
+                <a16:creationId xmlns:a16="http://schemas.microsoft.com/office/drawing/2014/main" id="{623848CC-D38F-19AC-422F-4F7DF294BC8D}"/>
               </a:ext>
             </a:extLst>
           </p:cNvPr>
@@ -856,7 +856,7 @@
           <a:bodyPr/>
           <a:lstStyle/>
           <a:p>
-            <a:fld id="{BB44BC9A-CCB2-47F4-9740-26C9CA77C97B}" type="datetimeFigureOut">
+            <a:fld id="{92328CBC-4C5B-41F3-94D4-D0BB60A073BE}" type="datetimeFigureOut">
               <a:rPr lang="zh-CN" altLang="en-US" smtClean="0"/>
               <a:t>2024/3/10</a:t>
             </a:fld>
@@ -869,7 +869,7 @@
           <p:cNvPr id="5" name="页脚占位符 4">
             <a:extLst>
               <a:ext uri="{FF2B5EF4-FFF2-40B4-BE49-F238E27FC236}">
-                <a16:creationId xmlns:a16="http://schemas.microsoft.com/office/drawing/2014/main" id="{784AF2CA-6D0E-AF1A-6555-A976DC4C65AD}"/>
+                <a16:creationId xmlns:a16="http://schemas.microsoft.com/office/drawing/2014/main" id="{E5D24651-FF53-C3AE-B640-F72461EF91E0}"/>
               </a:ext>
             </a:extLst>
           </p:cNvPr>
@@ -894,7 +894,7 @@
           <p:cNvPr id="6" name="灯片编号占位符 5">
             <a:extLst>
               <a:ext uri="{FF2B5EF4-FFF2-40B4-BE49-F238E27FC236}">
-                <a16:creationId xmlns:a16="http://schemas.microsoft.com/office/drawing/2014/main" id="{8C57D9D7-7B01-3721-0695-F396CD793653}"/>
+                <a16:creationId xmlns:a16="http://schemas.microsoft.com/office/drawing/2014/main" id="{7D7B94C7-1142-44F2-0978-05F8A32B71D2}"/>
               </a:ext>
             </a:extLst>
           </p:cNvPr>
@@ -910,7 +910,7 @@
           <a:bodyPr/>
           <a:lstStyle/>
           <a:p>
-            <a:fld id="{83BBF1F5-BEC5-4E66-A835-DFE59031C88E}" type="slidenum">
+            <a:fld id="{4DC55E31-8949-4B27-915E-CDA4FE6B240D}" type="slidenum">
               <a:rPr lang="zh-CN" altLang="en-US" smtClean="0"/>
               <a:t>‹#›</a:t>
             </a:fld>
@@ -921,7 +921,7 @@
     </p:spTree>
     <p:extLst>
       <p:ext uri="{BB962C8B-B14F-4D97-AF65-F5344CB8AC3E}">
-        <p14:creationId xmlns:p14="http://schemas.microsoft.com/office/powerpoint/2010/main" val="3740985769"/>
+        <p14:creationId xmlns:p14="http://schemas.microsoft.com/office/powerpoint/2010/main" val="4241004380"/>
       </p:ext>
     </p:extLst>
   </p:cSld>
@@ -953,7 +953,7 @@
           <p:cNvPr id="2" name="标题 1">
             <a:extLst>
               <a:ext uri="{FF2B5EF4-FFF2-40B4-BE49-F238E27FC236}">
-                <a16:creationId xmlns:a16="http://schemas.microsoft.com/office/drawing/2014/main" id="{65C3BAF5-BA36-35B5-1BF7-24C48F8C49BD}"/>
+                <a16:creationId xmlns:a16="http://schemas.microsoft.com/office/drawing/2014/main" id="{CCF866A9-EE7B-7B4B-C20A-ACDAC4EEF1BE}"/>
               </a:ext>
             </a:extLst>
           </p:cNvPr>
@@ -990,7 +990,7 @@
           <p:cNvPr id="3" name="文本占位符 2">
             <a:extLst>
               <a:ext uri="{FF2B5EF4-FFF2-40B4-BE49-F238E27FC236}">
-                <a16:creationId xmlns:a16="http://schemas.microsoft.com/office/drawing/2014/main" id="{DD1A90F2-18EB-EF4F-42F2-402ADD294E41}"/>
+                <a16:creationId xmlns:a16="http://schemas.microsoft.com/office/drawing/2014/main" id="{BCF3DDE1-E743-8FDA-FC91-56DD76C568D8}"/>
               </a:ext>
             </a:extLst>
           </p:cNvPr>
@@ -1115,7 +1115,7 @@
           <p:cNvPr id="4" name="日期占位符 3">
             <a:extLst>
               <a:ext uri="{FF2B5EF4-FFF2-40B4-BE49-F238E27FC236}">
-                <a16:creationId xmlns:a16="http://schemas.microsoft.com/office/drawing/2014/main" id="{31195223-DA33-6300-E6FD-6FF029A20596}"/>
+                <a16:creationId xmlns:a16="http://schemas.microsoft.com/office/drawing/2014/main" id="{AA5C0B05-FAF8-B389-D963-06247386C578}"/>
               </a:ext>
             </a:extLst>
           </p:cNvPr>
@@ -1131,7 +1131,7 @@
           <a:bodyPr/>
           <a:lstStyle/>
           <a:p>
-            <a:fld id="{BB44BC9A-CCB2-47F4-9740-26C9CA77C97B}" type="datetimeFigureOut">
+            <a:fld id="{92328CBC-4C5B-41F3-94D4-D0BB60A073BE}" type="datetimeFigureOut">
               <a:rPr lang="zh-CN" altLang="en-US" smtClean="0"/>
               <a:t>2024/3/10</a:t>
             </a:fld>
@@ -1144,7 +1144,7 @@
           <p:cNvPr id="5" name="页脚占位符 4">
             <a:extLst>
               <a:ext uri="{FF2B5EF4-FFF2-40B4-BE49-F238E27FC236}">
-                <a16:creationId xmlns:a16="http://schemas.microsoft.com/office/drawing/2014/main" id="{B22F7799-C4EB-6908-9D9D-520636AE1CF1}"/>
+                <a16:creationId xmlns:a16="http://schemas.microsoft.com/office/drawing/2014/main" id="{949CB034-2333-C612-BEA0-75F2BC0CC066}"/>
               </a:ext>
             </a:extLst>
           </p:cNvPr>
@@ -1169,7 +1169,7 @@
           <p:cNvPr id="6" name="灯片编号占位符 5">
             <a:extLst>
               <a:ext uri="{FF2B5EF4-FFF2-40B4-BE49-F238E27FC236}">
-                <a16:creationId xmlns:a16="http://schemas.microsoft.com/office/drawing/2014/main" id="{E02A5A8C-A214-9B78-36BE-4B5C6F3B23FE}"/>
+                <a16:creationId xmlns:a16="http://schemas.microsoft.com/office/drawing/2014/main" id="{4CFBC624-DD01-6755-D580-1EC4BB29B44A}"/>
               </a:ext>
             </a:extLst>
           </p:cNvPr>
@@ -1185,7 +1185,7 @@
           <a:bodyPr/>
           <a:lstStyle/>
           <a:p>
-            <a:fld id="{83BBF1F5-BEC5-4E66-A835-DFE59031C88E}" type="slidenum">
+            <a:fld id="{4DC55E31-8949-4B27-915E-CDA4FE6B240D}" type="slidenum">
               <a:rPr lang="zh-CN" altLang="en-US" smtClean="0"/>
               <a:t>‹#›</a:t>
             </a:fld>
@@ -1196,7 +1196,7 @@
     </p:spTree>
     <p:extLst>
       <p:ext uri="{BB962C8B-B14F-4D97-AF65-F5344CB8AC3E}">
-        <p14:creationId xmlns:p14="http://schemas.microsoft.com/office/powerpoint/2010/main" val="3459101019"/>
+        <p14:creationId xmlns:p14="http://schemas.microsoft.com/office/powerpoint/2010/main" val="3197933932"/>
       </p:ext>
     </p:extLst>
   </p:cSld>
@@ -1228,7 +1228,7 @@
           <p:cNvPr id="2" name="标题 1">
             <a:extLst>
               <a:ext uri="{FF2B5EF4-FFF2-40B4-BE49-F238E27FC236}">
-                <a16:creationId xmlns:a16="http://schemas.microsoft.com/office/drawing/2014/main" id="{79FC0136-5AC6-85E0-F31C-18A7BCF2C2E4}"/>
+                <a16:creationId xmlns:a16="http://schemas.microsoft.com/office/drawing/2014/main" id="{586538AF-F869-DFC2-5DC8-5B48DDD1415B}"/>
               </a:ext>
             </a:extLst>
           </p:cNvPr>
@@ -1256,7 +1256,7 @@
           <p:cNvPr id="3" name="内容占位符 2">
             <a:extLst>
               <a:ext uri="{FF2B5EF4-FFF2-40B4-BE49-F238E27FC236}">
-                <a16:creationId xmlns:a16="http://schemas.microsoft.com/office/drawing/2014/main" id="{A12B6FF5-5E4C-FDD5-4C3A-3D7B1672AF83}"/>
+                <a16:creationId xmlns:a16="http://schemas.microsoft.com/office/drawing/2014/main" id="{EEFA55E6-5A91-DEFD-C1FA-D5D170D1E536}"/>
               </a:ext>
             </a:extLst>
           </p:cNvPr>
@@ -1318,7 +1318,7 @@
           <p:cNvPr id="4" name="内容占位符 3">
             <a:extLst>
               <a:ext uri="{FF2B5EF4-FFF2-40B4-BE49-F238E27FC236}">
-                <a16:creationId xmlns:a16="http://schemas.microsoft.com/office/drawing/2014/main" id="{296C8059-307C-AEC9-9DE1-018F9E7C6828}"/>
+                <a16:creationId xmlns:a16="http://schemas.microsoft.com/office/drawing/2014/main" id="{890FFEAC-AC21-273B-A6B7-5F8898D65F17}"/>
               </a:ext>
             </a:extLst>
           </p:cNvPr>
@@ -1380,7 +1380,7 @@
           <p:cNvPr id="5" name="日期占位符 4">
             <a:extLst>
               <a:ext uri="{FF2B5EF4-FFF2-40B4-BE49-F238E27FC236}">
-                <a16:creationId xmlns:a16="http://schemas.microsoft.com/office/drawing/2014/main" id="{121DA22F-5165-E2CE-8D10-E6AB4C56C7D3}"/>
+                <a16:creationId xmlns:a16="http://schemas.microsoft.com/office/drawing/2014/main" id="{F49F1C72-9C16-CF0A-F064-E0E709527407}"/>
               </a:ext>
             </a:extLst>
           </p:cNvPr>
@@ -1396,7 +1396,7 @@
           <a:bodyPr/>
           <a:lstStyle/>
           <a:p>
-            <a:fld id="{BB44BC9A-CCB2-47F4-9740-26C9CA77C97B}" type="datetimeFigureOut">
+            <a:fld id="{92328CBC-4C5B-41F3-94D4-D0BB60A073BE}" type="datetimeFigureOut">
               <a:rPr lang="zh-CN" altLang="en-US" smtClean="0"/>
               <a:t>2024/3/10</a:t>
             </a:fld>
@@ -1409,7 +1409,7 @@
           <p:cNvPr id="6" name="页脚占位符 5">
             <a:extLst>
               <a:ext uri="{FF2B5EF4-FFF2-40B4-BE49-F238E27FC236}">
-                <a16:creationId xmlns:a16="http://schemas.microsoft.com/office/drawing/2014/main" id="{4D1DA861-8A67-81B0-CD95-058866AECCCC}"/>
+                <a16:creationId xmlns:a16="http://schemas.microsoft.com/office/drawing/2014/main" id="{B24189C1-C28F-4B28-CE75-B5CDE0322F66}"/>
               </a:ext>
             </a:extLst>
           </p:cNvPr>
@@ -1434,7 +1434,7 @@
           <p:cNvPr id="7" name="灯片编号占位符 6">
             <a:extLst>
               <a:ext uri="{FF2B5EF4-FFF2-40B4-BE49-F238E27FC236}">
-                <a16:creationId xmlns:a16="http://schemas.microsoft.com/office/drawing/2014/main" id="{24F71EDF-AEF6-E170-ED9A-26A78347AFBE}"/>
+                <a16:creationId xmlns:a16="http://schemas.microsoft.com/office/drawing/2014/main" id="{330E753E-916E-5AF8-666B-1380C05CC075}"/>
               </a:ext>
             </a:extLst>
           </p:cNvPr>
@@ -1450,7 +1450,7 @@
           <a:bodyPr/>
           <a:lstStyle/>
           <a:p>
-            <a:fld id="{83BBF1F5-BEC5-4E66-A835-DFE59031C88E}" type="slidenum">
+            <a:fld id="{4DC55E31-8949-4B27-915E-CDA4FE6B240D}" type="slidenum">
               <a:rPr lang="zh-CN" altLang="en-US" smtClean="0"/>
               <a:t>‹#›</a:t>
             </a:fld>
@@ -1461,7 +1461,7 @@
     </p:spTree>
     <p:extLst>
       <p:ext uri="{BB962C8B-B14F-4D97-AF65-F5344CB8AC3E}">
-        <p14:creationId xmlns:p14="http://schemas.microsoft.com/office/powerpoint/2010/main" val="3073776861"/>
+        <p14:creationId xmlns:p14="http://schemas.microsoft.com/office/powerpoint/2010/main" val="3764749922"/>
       </p:ext>
     </p:extLst>
   </p:cSld>
@@ -1493,7 +1493,7 @@
           <p:cNvPr id="2" name="标题 1">
             <a:extLst>
               <a:ext uri="{FF2B5EF4-FFF2-40B4-BE49-F238E27FC236}">
-                <a16:creationId xmlns:a16="http://schemas.microsoft.com/office/drawing/2014/main" id="{880B37E3-3C55-C955-2B7B-8CCAD46426B1}"/>
+                <a16:creationId xmlns:a16="http://schemas.microsoft.com/office/drawing/2014/main" id="{F8F3B61A-8B74-60A1-C346-0F5AEEBC28E9}"/>
               </a:ext>
             </a:extLst>
           </p:cNvPr>
@@ -1526,7 +1526,7 @@
           <p:cNvPr id="3" name="文本占位符 2">
             <a:extLst>
               <a:ext uri="{FF2B5EF4-FFF2-40B4-BE49-F238E27FC236}">
-                <a16:creationId xmlns:a16="http://schemas.microsoft.com/office/drawing/2014/main" id="{9EFC3A81-E776-1201-005B-10A31D2CC2DC}"/>
+                <a16:creationId xmlns:a16="http://schemas.microsoft.com/office/drawing/2014/main" id="{A6E1B8DA-D354-9E21-5FDC-E7F0747EE45A}"/>
               </a:ext>
             </a:extLst>
           </p:cNvPr>
@@ -1597,7 +1597,7 @@
           <p:cNvPr id="4" name="内容占位符 3">
             <a:extLst>
               <a:ext uri="{FF2B5EF4-FFF2-40B4-BE49-F238E27FC236}">
-                <a16:creationId xmlns:a16="http://schemas.microsoft.com/office/drawing/2014/main" id="{C3930B7A-E65F-98FB-B1BC-D9ACB7AD7209}"/>
+                <a16:creationId xmlns:a16="http://schemas.microsoft.com/office/drawing/2014/main" id="{FBCEF17C-772A-8B03-7E9E-AC85BFABB25D}"/>
               </a:ext>
             </a:extLst>
           </p:cNvPr>
@@ -1659,7 +1659,7 @@
           <p:cNvPr id="5" name="文本占位符 4">
             <a:extLst>
               <a:ext uri="{FF2B5EF4-FFF2-40B4-BE49-F238E27FC236}">
-                <a16:creationId xmlns:a16="http://schemas.microsoft.com/office/drawing/2014/main" id="{A8E06BD5-6A50-5A46-0B04-A13FC3E083C4}"/>
+                <a16:creationId xmlns:a16="http://schemas.microsoft.com/office/drawing/2014/main" id="{DD092529-7266-39BC-CA65-13915DD5DDD3}"/>
               </a:ext>
             </a:extLst>
           </p:cNvPr>
@@ -1730,7 +1730,7 @@
           <p:cNvPr id="6" name="内容占位符 5">
             <a:extLst>
               <a:ext uri="{FF2B5EF4-FFF2-40B4-BE49-F238E27FC236}">
-                <a16:creationId xmlns:a16="http://schemas.microsoft.com/office/drawing/2014/main" id="{8644F26D-A57C-5D77-3357-AED1CFA950C0}"/>
+                <a16:creationId xmlns:a16="http://schemas.microsoft.com/office/drawing/2014/main" id="{85120A53-6A4E-05B5-3F90-E3779A5551F6}"/>
               </a:ext>
             </a:extLst>
           </p:cNvPr>
@@ -1792,7 +1792,7 @@
           <p:cNvPr id="7" name="日期占位符 6">
             <a:extLst>
               <a:ext uri="{FF2B5EF4-FFF2-40B4-BE49-F238E27FC236}">
-                <a16:creationId xmlns:a16="http://schemas.microsoft.com/office/drawing/2014/main" id="{6E3E8FE0-670C-EC27-6E70-34967625334D}"/>
+                <a16:creationId xmlns:a16="http://schemas.microsoft.com/office/drawing/2014/main" id="{99DF3D5E-7E6D-3030-755C-53A5196EAF64}"/>
               </a:ext>
             </a:extLst>
           </p:cNvPr>
@@ -1808,7 +1808,7 @@
           <a:bodyPr/>
           <a:lstStyle/>
           <a:p>
-            <a:fld id="{BB44BC9A-CCB2-47F4-9740-26C9CA77C97B}" type="datetimeFigureOut">
+            <a:fld id="{92328CBC-4C5B-41F3-94D4-D0BB60A073BE}" type="datetimeFigureOut">
               <a:rPr lang="zh-CN" altLang="en-US" smtClean="0"/>
               <a:t>2024/3/10</a:t>
             </a:fld>
@@ -1821,7 +1821,7 @@
           <p:cNvPr id="8" name="页脚占位符 7">
             <a:extLst>
               <a:ext uri="{FF2B5EF4-FFF2-40B4-BE49-F238E27FC236}">
-                <a16:creationId xmlns:a16="http://schemas.microsoft.com/office/drawing/2014/main" id="{82F8391D-D1BB-2FAC-50E5-09EF0F101753}"/>
+                <a16:creationId xmlns:a16="http://schemas.microsoft.com/office/drawing/2014/main" id="{405113DF-0892-4FE2-560C-8ED796BC7CEF}"/>
               </a:ext>
             </a:extLst>
           </p:cNvPr>
@@ -1846,7 +1846,7 @@
           <p:cNvPr id="9" name="灯片编号占位符 8">
             <a:extLst>
               <a:ext uri="{FF2B5EF4-FFF2-40B4-BE49-F238E27FC236}">
-                <a16:creationId xmlns:a16="http://schemas.microsoft.com/office/drawing/2014/main" id="{00D857A3-1797-2FD2-7403-6E008E95517C}"/>
+                <a16:creationId xmlns:a16="http://schemas.microsoft.com/office/drawing/2014/main" id="{E1469392-B091-5411-1C11-210830F31742}"/>
               </a:ext>
             </a:extLst>
           </p:cNvPr>
@@ -1862,7 +1862,7 @@
           <a:bodyPr/>
           <a:lstStyle/>
           <a:p>
-            <a:fld id="{83BBF1F5-BEC5-4E66-A835-DFE59031C88E}" type="slidenum">
+            <a:fld id="{4DC55E31-8949-4B27-915E-CDA4FE6B240D}" type="slidenum">
               <a:rPr lang="zh-CN" altLang="en-US" smtClean="0"/>
               <a:t>‹#›</a:t>
             </a:fld>
@@ -1873,7 +1873,7 @@
     </p:spTree>
     <p:extLst>
       <p:ext uri="{BB962C8B-B14F-4D97-AF65-F5344CB8AC3E}">
-        <p14:creationId xmlns:p14="http://schemas.microsoft.com/office/powerpoint/2010/main" val="867262997"/>
+        <p14:creationId xmlns:p14="http://schemas.microsoft.com/office/powerpoint/2010/main" val="2301743708"/>
       </p:ext>
     </p:extLst>
   </p:cSld>
@@ -1905,7 +1905,7 @@
           <p:cNvPr id="2" name="标题 1">
             <a:extLst>
               <a:ext uri="{FF2B5EF4-FFF2-40B4-BE49-F238E27FC236}">
-                <a16:creationId xmlns:a16="http://schemas.microsoft.com/office/drawing/2014/main" id="{A41606E9-42B7-D2CC-4B76-14463872AAE1}"/>
+                <a16:creationId xmlns:a16="http://schemas.microsoft.com/office/drawing/2014/main" id="{B768AA16-79A2-5DA6-B642-0C4B3261E90C}"/>
               </a:ext>
             </a:extLst>
           </p:cNvPr>
@@ -1933,7 +1933,7 @@
           <p:cNvPr id="3" name="日期占位符 2">
             <a:extLst>
               <a:ext uri="{FF2B5EF4-FFF2-40B4-BE49-F238E27FC236}">
-                <a16:creationId xmlns:a16="http://schemas.microsoft.com/office/drawing/2014/main" id="{6B57DD8A-BBA4-1970-757E-7282D1C0941A}"/>
+                <a16:creationId xmlns:a16="http://schemas.microsoft.com/office/drawing/2014/main" id="{A735E305-E25C-849A-EDEF-EEEC8ADDDC42}"/>
               </a:ext>
             </a:extLst>
           </p:cNvPr>
@@ -1949,7 +1949,7 @@
           <a:bodyPr/>
           <a:lstStyle/>
           <a:p>
-            <a:fld id="{BB44BC9A-CCB2-47F4-9740-26C9CA77C97B}" type="datetimeFigureOut">
+            <a:fld id="{92328CBC-4C5B-41F3-94D4-D0BB60A073BE}" type="datetimeFigureOut">
               <a:rPr lang="zh-CN" altLang="en-US" smtClean="0"/>
               <a:t>2024/3/10</a:t>
             </a:fld>
@@ -1962,7 +1962,7 @@
           <p:cNvPr id="4" name="页脚占位符 3">
             <a:extLst>
               <a:ext uri="{FF2B5EF4-FFF2-40B4-BE49-F238E27FC236}">
-                <a16:creationId xmlns:a16="http://schemas.microsoft.com/office/drawing/2014/main" id="{792BE802-2007-3A2F-596F-EE1F08031626}"/>
+                <a16:creationId xmlns:a16="http://schemas.microsoft.com/office/drawing/2014/main" id="{C08FA3D3-C4CE-7E98-6055-C75756147D40}"/>
               </a:ext>
             </a:extLst>
           </p:cNvPr>
@@ -1987,7 +1987,7 @@
           <p:cNvPr id="5" name="灯片编号占位符 4">
             <a:extLst>
               <a:ext uri="{FF2B5EF4-FFF2-40B4-BE49-F238E27FC236}">
-                <a16:creationId xmlns:a16="http://schemas.microsoft.com/office/drawing/2014/main" id="{4A32E9A3-CAEF-AF85-B102-6C84F5F248F7}"/>
+                <a16:creationId xmlns:a16="http://schemas.microsoft.com/office/drawing/2014/main" id="{481D4B1F-414F-AD2B-9B85-2CA42AA21F62}"/>
               </a:ext>
             </a:extLst>
           </p:cNvPr>
@@ -2003,7 +2003,7 @@
           <a:bodyPr/>
           <a:lstStyle/>
           <a:p>
-            <a:fld id="{83BBF1F5-BEC5-4E66-A835-DFE59031C88E}" type="slidenum">
+            <a:fld id="{4DC55E31-8949-4B27-915E-CDA4FE6B240D}" type="slidenum">
               <a:rPr lang="zh-CN" altLang="en-US" smtClean="0"/>
               <a:t>‹#›</a:t>
             </a:fld>
@@ -2014,7 +2014,7 @@
     </p:spTree>
     <p:extLst>
       <p:ext uri="{BB962C8B-B14F-4D97-AF65-F5344CB8AC3E}">
-        <p14:creationId xmlns:p14="http://schemas.microsoft.com/office/powerpoint/2010/main" val="2816124830"/>
+        <p14:creationId xmlns:p14="http://schemas.microsoft.com/office/powerpoint/2010/main" val="496266028"/>
       </p:ext>
     </p:extLst>
   </p:cSld>
@@ -2046,7 +2046,7 @@
           <p:cNvPr id="2" name="日期占位符 1">
             <a:extLst>
               <a:ext uri="{FF2B5EF4-FFF2-40B4-BE49-F238E27FC236}">
-                <a16:creationId xmlns:a16="http://schemas.microsoft.com/office/drawing/2014/main" id="{06A2938A-8B03-AF00-DD4E-9AA647C77400}"/>
+                <a16:creationId xmlns:a16="http://schemas.microsoft.com/office/drawing/2014/main" id="{483B0498-E9EB-64AD-CFD4-2F21E8609493}"/>
               </a:ext>
             </a:extLst>
           </p:cNvPr>
@@ -2062,7 +2062,7 @@
           <a:bodyPr/>
           <a:lstStyle/>
           <a:p>
-            <a:fld id="{BB44BC9A-CCB2-47F4-9740-26C9CA77C97B}" type="datetimeFigureOut">
+            <a:fld id="{92328CBC-4C5B-41F3-94D4-D0BB60A073BE}" type="datetimeFigureOut">
               <a:rPr lang="zh-CN" altLang="en-US" smtClean="0"/>
               <a:t>2024/3/10</a:t>
             </a:fld>
@@ -2075,7 +2075,7 @@
           <p:cNvPr id="3" name="页脚占位符 2">
             <a:extLst>
               <a:ext uri="{FF2B5EF4-FFF2-40B4-BE49-F238E27FC236}">
-                <a16:creationId xmlns:a16="http://schemas.microsoft.com/office/drawing/2014/main" id="{4D0C67E2-8FD9-BEDD-4FA2-33182A75B2AD}"/>
+                <a16:creationId xmlns:a16="http://schemas.microsoft.com/office/drawing/2014/main" id="{243849DE-1DB5-8BFC-0CDA-63786C999FC7}"/>
               </a:ext>
             </a:extLst>
           </p:cNvPr>
@@ -2100,7 +2100,7 @@
           <p:cNvPr id="4" name="灯片编号占位符 3">
             <a:extLst>
               <a:ext uri="{FF2B5EF4-FFF2-40B4-BE49-F238E27FC236}">
-                <a16:creationId xmlns:a16="http://schemas.microsoft.com/office/drawing/2014/main" id="{AA7FD2E4-80DC-36B4-5CB8-E685D1947EF9}"/>
+                <a16:creationId xmlns:a16="http://schemas.microsoft.com/office/drawing/2014/main" id="{508E548A-22E0-ECA1-C6F6-E418B194354D}"/>
               </a:ext>
             </a:extLst>
           </p:cNvPr>
@@ -2116,7 +2116,7 @@
           <a:bodyPr/>
           <a:lstStyle/>
           <a:p>
-            <a:fld id="{83BBF1F5-BEC5-4E66-A835-DFE59031C88E}" type="slidenum">
+            <a:fld id="{4DC55E31-8949-4B27-915E-CDA4FE6B240D}" type="slidenum">
               <a:rPr lang="zh-CN" altLang="en-US" smtClean="0"/>
               <a:t>‹#›</a:t>
             </a:fld>
@@ -2127,7 +2127,7 @@
     </p:spTree>
     <p:extLst>
       <p:ext uri="{BB962C8B-B14F-4D97-AF65-F5344CB8AC3E}">
-        <p14:creationId xmlns:p14="http://schemas.microsoft.com/office/powerpoint/2010/main" val="4153392775"/>
+        <p14:creationId xmlns:p14="http://schemas.microsoft.com/office/powerpoint/2010/main" val="1402978493"/>
       </p:ext>
     </p:extLst>
   </p:cSld>
@@ -2159,7 +2159,7 @@
           <p:cNvPr id="2" name="标题 1">
             <a:extLst>
               <a:ext uri="{FF2B5EF4-FFF2-40B4-BE49-F238E27FC236}">
-                <a16:creationId xmlns:a16="http://schemas.microsoft.com/office/drawing/2014/main" id="{6FA0D265-0470-FAF7-253A-A7A78771C87F}"/>
+                <a16:creationId xmlns:a16="http://schemas.microsoft.com/office/drawing/2014/main" id="{338947AD-610F-9024-404F-533B9C26DE13}"/>
               </a:ext>
             </a:extLst>
           </p:cNvPr>
@@ -2196,7 +2196,7 @@
           <p:cNvPr id="3" name="内容占位符 2">
             <a:extLst>
               <a:ext uri="{FF2B5EF4-FFF2-40B4-BE49-F238E27FC236}">
-                <a16:creationId xmlns:a16="http://schemas.microsoft.com/office/drawing/2014/main" id="{7031079F-53D2-DC7C-3D46-34227749C166}"/>
+                <a16:creationId xmlns:a16="http://schemas.microsoft.com/office/drawing/2014/main" id="{605B9A95-58E5-612B-6037-B3CF8AEEB079}"/>
               </a:ext>
             </a:extLst>
           </p:cNvPr>
@@ -2286,7 +2286,7 @@
           <p:cNvPr id="4" name="文本占位符 3">
             <a:extLst>
               <a:ext uri="{FF2B5EF4-FFF2-40B4-BE49-F238E27FC236}">
-                <a16:creationId xmlns:a16="http://schemas.microsoft.com/office/drawing/2014/main" id="{C2F95B9A-7D79-DB55-8359-4F80F847146F}"/>
+                <a16:creationId xmlns:a16="http://schemas.microsoft.com/office/drawing/2014/main" id="{90F1D74C-BB34-B694-012B-C12141ADE342}"/>
               </a:ext>
             </a:extLst>
           </p:cNvPr>
@@ -2357,7 +2357,7 @@
           <p:cNvPr id="5" name="日期占位符 4">
             <a:extLst>
               <a:ext uri="{FF2B5EF4-FFF2-40B4-BE49-F238E27FC236}">
-                <a16:creationId xmlns:a16="http://schemas.microsoft.com/office/drawing/2014/main" id="{3C7E0F8A-80FD-E8E5-1AE5-18504E2E69DE}"/>
+                <a16:creationId xmlns:a16="http://schemas.microsoft.com/office/drawing/2014/main" id="{3CBBB5A2-5C13-9C3E-6168-A27C3FA2CDAD}"/>
               </a:ext>
             </a:extLst>
           </p:cNvPr>
@@ -2373,7 +2373,7 @@
           <a:bodyPr/>
           <a:lstStyle/>
           <a:p>
-            <a:fld id="{BB44BC9A-CCB2-47F4-9740-26C9CA77C97B}" type="datetimeFigureOut">
+            <a:fld id="{92328CBC-4C5B-41F3-94D4-D0BB60A073BE}" type="datetimeFigureOut">
               <a:rPr lang="zh-CN" altLang="en-US" smtClean="0"/>
               <a:t>2024/3/10</a:t>
             </a:fld>
@@ -2386,7 +2386,7 @@
           <p:cNvPr id="6" name="页脚占位符 5">
             <a:extLst>
               <a:ext uri="{FF2B5EF4-FFF2-40B4-BE49-F238E27FC236}">
-                <a16:creationId xmlns:a16="http://schemas.microsoft.com/office/drawing/2014/main" id="{AD6DCDD6-3D81-2D17-99E6-EED69E601F1F}"/>
+                <a16:creationId xmlns:a16="http://schemas.microsoft.com/office/drawing/2014/main" id="{25C80A42-640B-0B74-16F0-774170EA2DD8}"/>
               </a:ext>
             </a:extLst>
           </p:cNvPr>
@@ -2411,7 +2411,7 @@
           <p:cNvPr id="7" name="灯片编号占位符 6">
             <a:extLst>
               <a:ext uri="{FF2B5EF4-FFF2-40B4-BE49-F238E27FC236}">
-                <a16:creationId xmlns:a16="http://schemas.microsoft.com/office/drawing/2014/main" id="{391AC58B-366E-C3CA-902A-251A3054F871}"/>
+                <a16:creationId xmlns:a16="http://schemas.microsoft.com/office/drawing/2014/main" id="{DC13D35A-41B3-B74A-A385-59314A176F9D}"/>
               </a:ext>
             </a:extLst>
           </p:cNvPr>
@@ -2427,7 +2427,7 @@
           <a:bodyPr/>
           <a:lstStyle/>
           <a:p>
-            <a:fld id="{83BBF1F5-BEC5-4E66-A835-DFE59031C88E}" type="slidenum">
+            <a:fld id="{4DC55E31-8949-4B27-915E-CDA4FE6B240D}" type="slidenum">
               <a:rPr lang="zh-CN" altLang="en-US" smtClean="0"/>
               <a:t>‹#›</a:t>
             </a:fld>
@@ -2438,7 +2438,7 @@
     </p:spTree>
     <p:extLst>
       <p:ext uri="{BB962C8B-B14F-4D97-AF65-F5344CB8AC3E}">
-        <p14:creationId xmlns:p14="http://schemas.microsoft.com/office/powerpoint/2010/main" val="2715249768"/>
+        <p14:creationId xmlns:p14="http://schemas.microsoft.com/office/powerpoint/2010/main" val="16076448"/>
       </p:ext>
     </p:extLst>
   </p:cSld>
@@ -2470,7 +2470,7 @@
           <p:cNvPr id="2" name="标题 1">
             <a:extLst>
               <a:ext uri="{FF2B5EF4-FFF2-40B4-BE49-F238E27FC236}">
-                <a16:creationId xmlns:a16="http://schemas.microsoft.com/office/drawing/2014/main" id="{48EE2E69-E02B-33A5-B755-465ADEC9F433}"/>
+                <a16:creationId xmlns:a16="http://schemas.microsoft.com/office/drawing/2014/main" id="{6102D020-AC28-015D-9C07-126C5C20771A}"/>
               </a:ext>
             </a:extLst>
           </p:cNvPr>
@@ -2507,7 +2507,7 @@
           <p:cNvPr id="3" name="图片占位符 2">
             <a:extLst>
               <a:ext uri="{FF2B5EF4-FFF2-40B4-BE49-F238E27FC236}">
-                <a16:creationId xmlns:a16="http://schemas.microsoft.com/office/drawing/2014/main" id="{3C55518D-E9A3-87A1-3C9F-1F51F92A7C69}"/>
+                <a16:creationId xmlns:a16="http://schemas.microsoft.com/office/drawing/2014/main" id="{B0D9D06B-32CA-F94B-70F2-F7118FA441F2}"/>
               </a:ext>
             </a:extLst>
           </p:cNvPr>
@@ -2574,7 +2574,7 @@
           <p:cNvPr id="4" name="文本占位符 3">
             <a:extLst>
               <a:ext uri="{FF2B5EF4-FFF2-40B4-BE49-F238E27FC236}">
-                <a16:creationId xmlns:a16="http://schemas.microsoft.com/office/drawing/2014/main" id="{4E33F7A7-B8B8-7443-957D-5CD7B7FEB0DB}"/>
+                <a16:creationId xmlns:a16="http://schemas.microsoft.com/office/drawing/2014/main" id="{752F33AD-F959-7538-736F-D366EC419C0E}"/>
               </a:ext>
             </a:extLst>
           </p:cNvPr>
@@ -2645,7 +2645,7 @@
           <p:cNvPr id="5" name="日期占位符 4">
             <a:extLst>
               <a:ext uri="{FF2B5EF4-FFF2-40B4-BE49-F238E27FC236}">
-                <a16:creationId xmlns:a16="http://schemas.microsoft.com/office/drawing/2014/main" id="{C286B11E-CBF0-5180-A03F-BE1984CAC4C1}"/>
+                <a16:creationId xmlns:a16="http://schemas.microsoft.com/office/drawing/2014/main" id="{FD33A13B-05A2-E858-8F26-0C07E187393E}"/>
               </a:ext>
             </a:extLst>
           </p:cNvPr>
@@ -2661,7 +2661,7 @@
           <a:bodyPr/>
           <a:lstStyle/>
           <a:p>
-            <a:fld id="{BB44BC9A-CCB2-47F4-9740-26C9CA77C97B}" type="datetimeFigureOut">
+            <a:fld id="{92328CBC-4C5B-41F3-94D4-D0BB60A073BE}" type="datetimeFigureOut">
               <a:rPr lang="zh-CN" altLang="en-US" smtClean="0"/>
               <a:t>2024/3/10</a:t>
             </a:fld>
@@ -2674,7 +2674,7 @@
           <p:cNvPr id="6" name="页脚占位符 5">
             <a:extLst>
               <a:ext uri="{FF2B5EF4-FFF2-40B4-BE49-F238E27FC236}">
-                <a16:creationId xmlns:a16="http://schemas.microsoft.com/office/drawing/2014/main" id="{AC4C1660-E6BE-0632-DC1A-97AFEFA3C302}"/>
+                <a16:creationId xmlns:a16="http://schemas.microsoft.com/office/drawing/2014/main" id="{79C245DE-127A-ACE0-A1A0-2A62F9D1EA7B}"/>
               </a:ext>
             </a:extLst>
           </p:cNvPr>
@@ -2699,7 +2699,7 @@
           <p:cNvPr id="7" name="灯片编号占位符 6">
             <a:extLst>
               <a:ext uri="{FF2B5EF4-FFF2-40B4-BE49-F238E27FC236}">
-                <a16:creationId xmlns:a16="http://schemas.microsoft.com/office/drawing/2014/main" id="{63FD448A-01A6-36EC-D255-FB079AFA28CD}"/>
+                <a16:creationId xmlns:a16="http://schemas.microsoft.com/office/drawing/2014/main" id="{55727806-E00F-8B62-797A-577CEEC5EAC6}"/>
               </a:ext>
             </a:extLst>
           </p:cNvPr>
@@ -2715,7 +2715,7 @@
           <a:bodyPr/>
           <a:lstStyle/>
           <a:p>
-            <a:fld id="{83BBF1F5-BEC5-4E66-A835-DFE59031C88E}" type="slidenum">
+            <a:fld id="{4DC55E31-8949-4B27-915E-CDA4FE6B240D}" type="slidenum">
               <a:rPr lang="zh-CN" altLang="en-US" smtClean="0"/>
               <a:t>‹#›</a:t>
             </a:fld>
@@ -2726,7 +2726,7 @@
     </p:spTree>
     <p:extLst>
       <p:ext uri="{BB962C8B-B14F-4D97-AF65-F5344CB8AC3E}">
-        <p14:creationId xmlns:p14="http://schemas.microsoft.com/office/powerpoint/2010/main" val="3765738881"/>
+        <p14:creationId xmlns:p14="http://schemas.microsoft.com/office/powerpoint/2010/main" val="4281514585"/>
       </p:ext>
     </p:extLst>
   </p:cSld>
@@ -2763,7 +2763,7 @@
           <p:cNvPr id="2" name="标题占位符 1">
             <a:extLst>
               <a:ext uri="{FF2B5EF4-FFF2-40B4-BE49-F238E27FC236}">
-                <a16:creationId xmlns:a16="http://schemas.microsoft.com/office/drawing/2014/main" id="{9BB7FC3A-3B2C-1904-93E6-2A90E71AF7F3}"/>
+                <a16:creationId xmlns:a16="http://schemas.microsoft.com/office/drawing/2014/main" id="{8E50556E-E0F5-8E3E-9365-F98BF3DC5795}"/>
               </a:ext>
             </a:extLst>
           </p:cNvPr>
@@ -2801,7 +2801,7 @@
           <p:cNvPr id="3" name="文本占位符 2">
             <a:extLst>
               <a:ext uri="{FF2B5EF4-FFF2-40B4-BE49-F238E27FC236}">
-                <a16:creationId xmlns:a16="http://schemas.microsoft.com/office/drawing/2014/main" id="{67700702-A67C-F351-F844-6852E0AF7277}"/>
+                <a16:creationId xmlns:a16="http://schemas.microsoft.com/office/drawing/2014/main" id="{1B9B23CC-4C6C-BAA8-A26F-4268A6DE83B8}"/>
               </a:ext>
             </a:extLst>
           </p:cNvPr>
@@ -2868,7 +2868,7 @@
           <p:cNvPr id="4" name="日期占位符 3">
             <a:extLst>
               <a:ext uri="{FF2B5EF4-FFF2-40B4-BE49-F238E27FC236}">
-                <a16:creationId xmlns:a16="http://schemas.microsoft.com/office/drawing/2014/main" id="{B8A70F61-B0F0-DE5F-357C-64ECA0AEB008}"/>
+                <a16:creationId xmlns:a16="http://schemas.microsoft.com/office/drawing/2014/main" id="{B10AB020-CCEE-B877-B5A1-3958135AE6B0}"/>
               </a:ext>
             </a:extLst>
           </p:cNvPr>
@@ -2902,7 +2902,7 @@
             </a:lvl1pPr>
           </a:lstStyle>
           <a:p>
-            <a:fld id="{BB44BC9A-CCB2-47F4-9740-26C9CA77C97B}" type="datetimeFigureOut">
+            <a:fld id="{92328CBC-4C5B-41F3-94D4-D0BB60A073BE}" type="datetimeFigureOut">
               <a:rPr lang="zh-CN" altLang="en-US" smtClean="0"/>
               <a:t>2024/3/10</a:t>
             </a:fld>
@@ -2915,7 +2915,7 @@
           <p:cNvPr id="5" name="页脚占位符 4">
             <a:extLst>
               <a:ext uri="{FF2B5EF4-FFF2-40B4-BE49-F238E27FC236}">
-                <a16:creationId xmlns:a16="http://schemas.microsoft.com/office/drawing/2014/main" id="{ADB1F737-2229-9396-36DC-38B268CA568D}"/>
+                <a16:creationId xmlns:a16="http://schemas.microsoft.com/office/drawing/2014/main" id="{DC9B383F-0235-3208-841B-CA051CDA7626}"/>
               </a:ext>
             </a:extLst>
           </p:cNvPr>
@@ -2958,7 +2958,7 @@
           <p:cNvPr id="6" name="灯片编号占位符 5">
             <a:extLst>
               <a:ext uri="{FF2B5EF4-FFF2-40B4-BE49-F238E27FC236}">
-                <a16:creationId xmlns:a16="http://schemas.microsoft.com/office/drawing/2014/main" id="{E26C4809-5274-6839-D4AF-019134F97D69}"/>
+                <a16:creationId xmlns:a16="http://schemas.microsoft.com/office/drawing/2014/main" id="{EF4CC828-8B90-8208-75AE-3DC7785D45B0}"/>
               </a:ext>
             </a:extLst>
           </p:cNvPr>
@@ -2992,7 +2992,7 @@
             </a:lvl1pPr>
           </a:lstStyle>
           <a:p>
-            <a:fld id="{83BBF1F5-BEC5-4E66-A835-DFE59031C88E}" type="slidenum">
+            <a:fld id="{4DC55E31-8949-4B27-915E-CDA4FE6B240D}" type="slidenum">
               <a:rPr lang="zh-CN" altLang="en-US" smtClean="0"/>
               <a:t>‹#›</a:t>
             </a:fld>
@@ -3003,7 +3003,7 @@
     </p:spTree>
     <p:extLst>
       <p:ext uri="{BB962C8B-B14F-4D97-AF65-F5344CB8AC3E}">
-        <p14:creationId xmlns:p14="http://schemas.microsoft.com/office/powerpoint/2010/main" val="4114680467"/>
+        <p14:creationId xmlns:p14="http://schemas.microsoft.com/office/powerpoint/2010/main" val="1584663363"/>
       </p:ext>
     </p:extLst>
   </p:cSld>
@@ -3323,7 +3323,7 @@
       </p:grpSpPr>
       <p:pic>
         <p:nvPicPr>
-          <p:cNvPr id="971778" name="Picture 2" descr="948"/>
+          <p:cNvPr id="972802" name="Picture 2" descr="949"/>
           <p:cNvPicPr>
             <a:picLocks noChangeAspect="1" noChangeArrowheads="1"/>
           </p:cNvPicPr>
